--- a/courses/cse417t/exam1.pptx
+++ b/courses/cse417t/exam1.pptx
@@ -108,6 +108,11 @@
       </a:defRPr>
     </a:lvl9pPr>
   </p:defaultTextStyle>
+  <p:extLst>
+    <p:ext uri="{EFAFB233-063F-42B5-8137-9DF3F51BA10A}">
+      <p15:sldGuideLst xmlns:p15="http://schemas.microsoft.com/office/powerpoint/2012/main"/>
+    </p:ext>
+  </p:extLst>
 </p:presentation>
 </file>
 
@@ -193,7 +198,7 @@
           <a:p>
             <a:fld id="{D80F3063-4000-A246-8056-330B84A37A9A}" type="datetimeFigureOut">
               <a:rPr lang="en-US" smtClean="0"/>
-              <a:t>3/10/22</a:t>
+              <a:t>10/27/22</a:t>
             </a:fld>
             <a:endParaRPr lang="en-US"/>
           </a:p>
@@ -691,7 +696,7 @@
           <a:p>
             <a:fld id="{8389C551-DCE7-2946-AE32-FDDB90DA6BF6}" type="datetime13">
               <a:rPr lang="en-US" smtClean="0"/>
-              <a:t>10:16:51 AM</a:t>
+              <a:t>1:07:46 AM</a:t>
             </a:fld>
             <a:endParaRPr lang="en-US"/>
           </a:p>
@@ -889,7 +894,7 @@
           <a:p>
             <a:fld id="{E556BB9D-C5FC-434F-A056-D9B8DB00F971}" type="datetime13">
               <a:rPr lang="en-US" smtClean="0"/>
-              <a:t>10:16:51 AM</a:t>
+              <a:t>1:07:46 AM</a:t>
             </a:fld>
             <a:endParaRPr lang="en-US"/>
           </a:p>
@@ -1097,7 +1102,7 @@
           <a:p>
             <a:fld id="{4A03E352-9050-6449-9625-BFED607A4111}" type="datetime13">
               <a:rPr lang="en-US" smtClean="0"/>
-              <a:t>10:16:51 AM</a:t>
+              <a:t>1:07:46 AM</a:t>
             </a:fld>
             <a:endParaRPr lang="en-US"/>
           </a:p>
@@ -1295,7 +1300,7 @@
           <a:p>
             <a:fld id="{D667BC71-920D-EF40-B6A3-8F78622E40F4}" type="datetime13">
               <a:rPr lang="en-US" smtClean="0"/>
-              <a:t>10:16:51 AM</a:t>
+              <a:t>1:07:46 AM</a:t>
             </a:fld>
             <a:endParaRPr lang="en-US"/>
           </a:p>
@@ -1570,7 +1575,7 @@
           <a:p>
             <a:fld id="{7B4AF332-0B48-F545-8B59-8976446D84B3}" type="datetime13">
               <a:rPr lang="en-US" smtClean="0"/>
-              <a:t>10:16:51 AM</a:t>
+              <a:t>1:07:46 AM</a:t>
             </a:fld>
             <a:endParaRPr lang="en-US"/>
           </a:p>
@@ -1835,7 +1840,7 @@
           <a:p>
             <a:fld id="{7B507FA7-F9C5-F042-B4F4-F3D7C6ADDCEC}" type="datetime13">
               <a:rPr lang="en-US" smtClean="0"/>
-              <a:t>10:16:51 AM</a:t>
+              <a:t>1:07:46 AM</a:t>
             </a:fld>
             <a:endParaRPr lang="en-US"/>
           </a:p>
@@ -2247,7 +2252,7 @@
           <a:p>
             <a:fld id="{F31BDFAA-D24F-AE47-8397-16939CE7C753}" type="datetime13">
               <a:rPr lang="en-US" smtClean="0"/>
-              <a:t>10:16:51 AM</a:t>
+              <a:t>1:07:46 AM</a:t>
             </a:fld>
             <a:endParaRPr lang="en-US"/>
           </a:p>
@@ -2388,7 +2393,7 @@
           <a:p>
             <a:fld id="{301391B3-50C5-8540-8564-AD25B2CFD409}" type="datetime13">
               <a:rPr lang="en-US" smtClean="0"/>
-              <a:t>10:16:51 AM</a:t>
+              <a:t>1:07:46 AM</a:t>
             </a:fld>
             <a:endParaRPr lang="en-US"/>
           </a:p>
@@ -2501,7 +2506,7 @@
           <a:p>
             <a:fld id="{3A9576E0-EB14-204F-AC82-0DD7469410CB}" type="datetime13">
               <a:rPr lang="en-US" smtClean="0"/>
-              <a:t>10:16:51 AM</a:t>
+              <a:t>1:07:46 AM</a:t>
             </a:fld>
             <a:endParaRPr lang="en-US"/>
           </a:p>
@@ -2812,7 +2817,7 @@
           <a:p>
             <a:fld id="{6ECE51D5-A8A3-9D44-8D2E-2932D6D4AD50}" type="datetime13">
               <a:rPr lang="en-US" smtClean="0"/>
-              <a:t>10:16:51 AM</a:t>
+              <a:t>1:07:46 AM</a:t>
             </a:fld>
             <a:endParaRPr lang="en-US"/>
           </a:p>
@@ -3100,7 +3105,7 @@
           <a:p>
             <a:fld id="{51249B0F-7CD5-8448-A9C1-6D47F9B4B180}" type="datetime13">
               <a:rPr lang="en-US" smtClean="0"/>
-              <a:t>10:16:51 AM</a:t>
+              <a:t>1:07:46 AM</a:t>
             </a:fld>
             <a:endParaRPr lang="en-US"/>
           </a:p>
@@ -3341,7 +3346,7 @@
           <a:p>
             <a:fld id="{10D62499-7084-C645-92CC-F29EB06CEFDB}" type="datetime13">
               <a:rPr lang="en-US" smtClean="0"/>
-              <a:t>10:16:51 AM</a:t>
+              <a:t>1:07:46 AM</a:t>
             </a:fld>
             <a:endParaRPr lang="en-US"/>
           </a:p>
@@ -3759,101 +3764,24 @@
           <a:chExt cx="0" cy="0"/>
         </a:xfrm>
       </p:grpSpPr>
-      <p:pic>
-        <p:nvPicPr>
-          <p:cNvPr id="4" name="Picture 3">
-            <a:extLst>
-              <a:ext uri="{FF2B5EF4-FFF2-40B4-BE49-F238E27FC236}">
-                <a16:creationId xmlns:a16="http://schemas.microsoft.com/office/drawing/2014/main" id="{F25FC25C-41D4-DB47-A334-ED276070D0A6}"/>
-              </a:ext>
-            </a:extLst>
-          </p:cNvPr>
-          <p:cNvPicPr>
-            <a:picLocks noChangeAspect="1"/>
-          </p:cNvPicPr>
+      <p:sp>
+        <p:nvSpPr>
+          <p:cNvPr id="6" name="Content Placeholder 2">
+            <a:extLst>
+              <a:ext uri="{FF2B5EF4-FFF2-40B4-BE49-F238E27FC236}">
+                <a16:creationId xmlns:a16="http://schemas.microsoft.com/office/drawing/2014/main" id="{C5FF4C68-6268-4845-8621-37FAA7487FFC}"/>
+              </a:ext>
+            </a:extLst>
+          </p:cNvPr>
+          <p:cNvSpPr txBox="1">
+            <a:spLocks/>
+          </p:cNvSpPr>
           <p:nvPr/>
-        </p:nvPicPr>
-        <p:blipFill>
-          <a:blip r:embed="rId3"/>
-          <a:stretch>
-            <a:fillRect/>
-          </a:stretch>
-        </p:blipFill>
+        </p:nvSpPr>
         <p:spPr>
           <a:xfrm>
-            <a:off x="0" y="0"/>
-            <a:ext cx="12192000" cy="3317117"/>
-          </a:xfrm>
-          <a:prstGeom prst="rect">
-            <a:avLst/>
-          </a:prstGeom>
-        </p:spPr>
-      </p:pic>
-      <p:pic>
-        <p:nvPicPr>
-          <p:cNvPr id="1026" name="Picture 2">
-            <a:extLst>
-              <a:ext uri="{FF2B5EF4-FFF2-40B4-BE49-F238E27FC236}">
-                <a16:creationId xmlns:a16="http://schemas.microsoft.com/office/drawing/2014/main" id="{3FAC58AC-0A06-A944-A1E2-E3F009DFED8C}"/>
-              </a:ext>
-            </a:extLst>
-          </p:cNvPr>
-          <p:cNvPicPr>
-            <a:picLocks noChangeAspect="1" noChangeArrowheads="1"/>
-          </p:cNvPicPr>
-          <p:nvPr/>
-        </p:nvPicPr>
-        <p:blipFill>
-          <a:blip r:embed="rId4">
-            <a:extLst>
-              <a:ext uri="{28A0092B-C50C-407E-A947-70E740481C1C}">
-                <a14:useLocalDpi xmlns:a14="http://schemas.microsoft.com/office/drawing/2010/main" val="0"/>
-              </a:ext>
-            </a:extLst>
-          </a:blip>
-          <a:srcRect/>
-          <a:stretch>
-            <a:fillRect/>
-          </a:stretch>
-        </p:blipFill>
-        <p:spPr bwMode="auto">
-          <a:xfrm>
-            <a:off x="173083" y="4134397"/>
-            <a:ext cx="3241743" cy="1776548"/>
-          </a:xfrm>
-          <a:prstGeom prst="rect">
-            <a:avLst/>
-          </a:prstGeom>
-          <a:noFill/>
-          <a:extLst>
-            <a:ext uri="{909E8E84-426E-40DD-AFC4-6F175D3DCCD1}">
-              <a14:hiddenFill xmlns:a14="http://schemas.microsoft.com/office/drawing/2010/main">
-                <a:solidFill>
-                  <a:srgbClr val="FFFFFF"/>
-                </a:solidFill>
-              </a14:hiddenFill>
-            </a:ext>
-          </a:extLst>
-        </p:spPr>
-      </p:pic>
-      <p:sp>
-        <p:nvSpPr>
-          <p:cNvPr id="6" name="Content Placeholder 2">
-            <a:extLst>
-              <a:ext uri="{FF2B5EF4-FFF2-40B4-BE49-F238E27FC236}">
-                <a16:creationId xmlns:a16="http://schemas.microsoft.com/office/drawing/2014/main" id="{C5FF4C68-6268-4845-8621-37FAA7487FFC}"/>
-              </a:ext>
-            </a:extLst>
-          </p:cNvPr>
-          <p:cNvSpPr txBox="1">
-            <a:spLocks/>
-          </p:cNvSpPr>
-          <p:nvPr/>
-        </p:nvSpPr>
-        <p:spPr>
-          <a:xfrm>
-            <a:off x="3594463" y="3654426"/>
-            <a:ext cx="8671560" cy="3105603"/>
+            <a:off x="2028422" y="4287127"/>
+            <a:ext cx="8671560" cy="2662291"/>
           </a:xfrm>
           <a:prstGeom prst="rect">
             <a:avLst/>
@@ -4099,11 +4027,38 @@
               <a:t>By default, I don’t clarify questions individually.</a:t>
             </a:r>
           </a:p>
-          <a:p>
-            <a:endParaRPr lang="en-US" dirty="0"/>
-          </a:p>
-        </p:txBody>
-      </p:sp>
+        </p:txBody>
+      </p:sp>
+      <p:pic>
+        <p:nvPicPr>
+          <p:cNvPr id="2" name="Picture 1">
+            <a:extLst>
+              <a:ext uri="{FF2B5EF4-FFF2-40B4-BE49-F238E27FC236}">
+                <a16:creationId xmlns:a16="http://schemas.microsoft.com/office/drawing/2014/main" id="{043ACA9D-B86C-534B-48AB-B85CBFBEDD28}"/>
+              </a:ext>
+            </a:extLst>
+          </p:cNvPr>
+          <p:cNvPicPr>
+            <a:picLocks noChangeAspect="1"/>
+          </p:cNvPicPr>
+          <p:nvPr/>
+        </p:nvPicPr>
+        <p:blipFill>
+          <a:blip r:embed="rId3"/>
+          <a:stretch>
+            <a:fillRect/>
+          </a:stretch>
+        </p:blipFill>
+        <p:spPr>
+          <a:xfrm>
+            <a:off x="0" y="24195"/>
+            <a:ext cx="12361860" cy="3899338"/>
+          </a:xfrm>
+          <a:prstGeom prst="rect">
+            <a:avLst/>
+          </a:prstGeom>
+        </p:spPr>
+      </p:pic>
     </p:spTree>
     <p:extLst>
       <p:ext uri="{BB962C8B-B14F-4D97-AF65-F5344CB8AC3E}">
@@ -4219,13 +4174,8 @@
             <a:pPr marL="800100" lvl="1" indent="-342900"/>
             <a:r>
               <a:rPr lang="en-US" dirty="0"/>
-              <a:t>By default, I don’t clarify </a:t>
-            </a:r>
-            <a:r>
-              <a:rPr lang="en-US"/>
-              <a:t>questions individually.</a:t>
-            </a:r>
-            <a:endParaRPr lang="en-US" dirty="0"/>
+              <a:t>By default, I don’t clarify questions individually. </a:t>
+            </a:r>
           </a:p>
           <a:p>
             <a:endParaRPr lang="en-US" dirty="0"/>
